--- a/presentation/6_TOHOKU_ENG.pptx
+++ b/presentation/6_TOHOKU_ENG.pptx
@@ -20133,6 +20133,162 @@
       </p:grpSpPr>
       <p:sp>
         <p:nvSpPr>
+          <p:cNvPr id="12" name="Rechteck 14"/>
+          <p:cNvSpPr>
+            <a:spLocks noChangeArrowheads="1"/>
+          </p:cNvSpPr>
+          <p:nvPr/>
+        </p:nvSpPr>
+        <p:spPr bwMode="auto">
+          <a:xfrm>
+            <a:off x="283543" y="4674280"/>
+            <a:ext cx="4230241" cy="2067087"/>
+          </a:xfrm>
+          <a:prstGeom prst="rect">
+            <a:avLst/>
+          </a:prstGeom>
+          <a:solidFill>
+            <a:schemeClr val="bg1"/>
+          </a:solidFill>
+          <a:ln>
+            <a:noFill/>
+          </a:ln>
+          <a:extLst>
+            <a:ext uri="{91240B29-F687-4F45-9708-019B960494DF}">
+              <a14:hiddenLine xmlns:a14="http://schemas.microsoft.com/office/drawing/2010/main" w="9525" algn="ctr">
+                <a:solidFill>
+                  <a:srgbClr val="000000"/>
+                </a:solidFill>
+                <a:round/>
+                <a:headEnd/>
+                <a:tailEnd/>
+              </a14:hiddenLine>
+            </a:ext>
+          </a:extLst>
+        </p:spPr>
+        <p:txBody>
+          <a:bodyPr wrap="square">
+            <a:spAutoFit/>
+          </a:bodyPr>
+          <a:lstStyle>
+            <a:lvl1pPr eaLnBrk="0" hangingPunct="0">
+              <a:defRPr kumimoji="1" sz="1600">
+                <a:solidFill>
+                  <a:schemeClr val="tx1"/>
+                </a:solidFill>
+                <a:latin typeface="Arial" charset="0"/>
+                <a:ea typeface="ＭＳ Ｐゴシック" pitchFamily="34" charset="-128"/>
+              </a:defRPr>
+            </a:lvl1pPr>
+            <a:lvl2pPr marL="742950" indent="-285750" eaLnBrk="0" hangingPunct="0">
+              <a:defRPr kumimoji="1" sz="1600">
+                <a:solidFill>
+                  <a:schemeClr val="tx1"/>
+                </a:solidFill>
+                <a:latin typeface="Arial" charset="0"/>
+                <a:ea typeface="ＭＳ Ｐゴシック" pitchFamily="34" charset="-128"/>
+              </a:defRPr>
+            </a:lvl2pPr>
+            <a:lvl3pPr marL="1143000" indent="-228600" eaLnBrk="0" hangingPunct="0">
+              <a:defRPr kumimoji="1" sz="1600">
+                <a:solidFill>
+                  <a:schemeClr val="tx1"/>
+                </a:solidFill>
+                <a:latin typeface="Arial" charset="0"/>
+                <a:ea typeface="ＭＳ Ｐゴシック" pitchFamily="34" charset="-128"/>
+              </a:defRPr>
+            </a:lvl3pPr>
+            <a:lvl4pPr marL="1600200" indent="-228600" eaLnBrk="0" hangingPunct="0">
+              <a:defRPr kumimoji="1" sz="1600">
+                <a:solidFill>
+                  <a:schemeClr val="tx1"/>
+                </a:solidFill>
+                <a:latin typeface="Arial" charset="0"/>
+                <a:ea typeface="ＭＳ Ｐゴシック" pitchFamily="34" charset="-128"/>
+              </a:defRPr>
+            </a:lvl4pPr>
+            <a:lvl5pPr marL="2057400" indent="-228600" eaLnBrk="0" hangingPunct="0">
+              <a:defRPr kumimoji="1" sz="1600">
+                <a:solidFill>
+                  <a:schemeClr val="tx1"/>
+                </a:solidFill>
+                <a:latin typeface="Arial" charset="0"/>
+                <a:ea typeface="ＭＳ Ｐゴシック" pitchFamily="34" charset="-128"/>
+              </a:defRPr>
+            </a:lvl5pPr>
+            <a:lvl6pPr marL="2514600" indent="-228600" eaLnBrk="0" fontAlgn="base" hangingPunct="0">
+              <a:spcBef>
+                <a:spcPct val="0"/>
+              </a:spcBef>
+              <a:spcAft>
+                <a:spcPct val="0"/>
+              </a:spcAft>
+              <a:defRPr kumimoji="1" sz="1600">
+                <a:solidFill>
+                  <a:schemeClr val="tx1"/>
+                </a:solidFill>
+                <a:latin typeface="Arial" charset="0"/>
+                <a:ea typeface="ＭＳ Ｐゴシック" pitchFamily="34" charset="-128"/>
+              </a:defRPr>
+            </a:lvl6pPr>
+            <a:lvl7pPr marL="2971800" indent="-228600" eaLnBrk="0" fontAlgn="base" hangingPunct="0">
+              <a:spcBef>
+                <a:spcPct val="0"/>
+              </a:spcBef>
+              <a:spcAft>
+                <a:spcPct val="0"/>
+              </a:spcAft>
+              <a:defRPr kumimoji="1" sz="1600">
+                <a:solidFill>
+                  <a:schemeClr val="tx1"/>
+                </a:solidFill>
+                <a:latin typeface="Arial" charset="0"/>
+                <a:ea typeface="ＭＳ Ｐゴシック" pitchFamily="34" charset="-128"/>
+              </a:defRPr>
+            </a:lvl7pPr>
+            <a:lvl8pPr marL="3429000" indent="-228600" eaLnBrk="0" fontAlgn="base" hangingPunct="0">
+              <a:spcBef>
+                <a:spcPct val="0"/>
+              </a:spcBef>
+              <a:spcAft>
+                <a:spcPct val="0"/>
+              </a:spcAft>
+              <a:defRPr kumimoji="1" sz="1600">
+                <a:solidFill>
+                  <a:schemeClr val="tx1"/>
+                </a:solidFill>
+                <a:latin typeface="Arial" charset="0"/>
+                <a:ea typeface="ＭＳ Ｐゴシック" pitchFamily="34" charset="-128"/>
+              </a:defRPr>
+            </a:lvl8pPr>
+            <a:lvl9pPr marL="3886200" indent="-228600" eaLnBrk="0" fontAlgn="base" hangingPunct="0">
+              <a:spcBef>
+                <a:spcPct val="0"/>
+              </a:spcBef>
+              <a:spcAft>
+                <a:spcPct val="0"/>
+              </a:spcAft>
+              <a:defRPr kumimoji="1" sz="1600">
+                <a:solidFill>
+                  <a:schemeClr val="tx1"/>
+                </a:solidFill>
+                <a:latin typeface="Arial" charset="0"/>
+                <a:ea typeface="ＭＳ Ｐゴシック" pitchFamily="34" charset="-128"/>
+              </a:defRPr>
+            </a:lvl9pPr>
+          </a:lstStyle>
+          <a:p>
+            <a:pPr algn="ctr" eaLnBrk="1" hangingPunct="1">
+              <a:spcBef>
+                <a:spcPct val="50000"/>
+              </a:spcBef>
+            </a:pPr>
+            <a:endParaRPr lang="de-DE" altLang="fr-FR"/>
+          </a:p>
+        </p:txBody>
+      </p:sp>
+      <p:sp>
+        <p:nvSpPr>
           <p:cNvPr id="3" name="Espace réservé du contenu 2"/>
           <p:cNvSpPr>
             <a:spLocks noGrp="1"/>
@@ -20427,8 +20583,8 @@
           </p:nvSpPr>
           <p:spPr bwMode="auto">
             <a:xfrm>
-              <a:off x="5850082" y="4983956"/>
-              <a:ext cx="1295400" cy="685800"/>
+              <a:off x="5738486" y="4983956"/>
+              <a:ext cx="1406996" cy="685800"/>
             </a:xfrm>
             <a:prstGeom prst="rect">
               <a:avLst/>
@@ -20453,7 +20609,7 @@
             </a:extLst>
           </p:spPr>
           <p:txBody>
-            <a:bodyPr>
+            <a:bodyPr wrap="square">
               <a:spAutoFit/>
             </a:bodyPr>
             <a:lstStyle>
@@ -20638,6 +20794,65 @@
           </p:spPr>
         </p:pic>
       </p:grpSp>
+      <p:pic>
+        <p:nvPicPr>
+          <p:cNvPr id="2" name="Image 1"/>
+          <p:cNvPicPr>
+            <a:picLocks noChangeAspect="1"/>
+          </p:cNvPicPr>
+          <p:nvPr/>
+        </p:nvPicPr>
+        <p:blipFill>
+          <a:blip r:embed="rId5" cstate="print">
+            <a:extLst>
+              <a:ext uri="{28A0092B-C50C-407E-A947-70E740481C1C}">
+                <a14:useLocalDpi xmlns:a14="http://schemas.microsoft.com/office/drawing/2010/main" val="0"/>
+              </a:ext>
+            </a:extLst>
+          </a:blip>
+          <a:stretch>
+            <a:fillRect/>
+          </a:stretch>
+        </p:blipFill>
+        <p:spPr>
+          <a:xfrm>
+            <a:off x="5436096" y="4674281"/>
+            <a:ext cx="2934445" cy="2067087"/>
+          </a:xfrm>
+          <a:prstGeom prst="rect">
+            <a:avLst/>
+          </a:prstGeom>
+        </p:spPr>
+      </p:pic>
+      <p:pic>
+        <p:nvPicPr>
+          <p:cNvPr id="5" name="Image 4"/>
+          <p:cNvPicPr>
+            <a:picLocks noChangeAspect="1"/>
+          </p:cNvPicPr>
+          <p:nvPr/>
+        </p:nvPicPr>
+        <p:blipFill rotWithShape="1">
+          <a:blip r:embed="rId6">
+            <a:extLst>
+              <a:ext uri="{28A0092B-C50C-407E-A947-70E740481C1C}">
+                <a14:useLocalDpi xmlns:a14="http://schemas.microsoft.com/office/drawing/2010/main" val="0"/>
+              </a:ext>
+            </a:extLst>
+          </a:blip>
+          <a:srcRect l="4363" t="25998" b="22032"/>
+          <a:stretch/>
+        </p:blipFill>
+        <p:spPr>
+          <a:xfrm>
+            <a:off x="251520" y="1889125"/>
+            <a:ext cx="8745016" cy="2671763"/>
+          </a:xfrm>
+          <a:prstGeom prst="rect">
+            <a:avLst/>
+          </a:prstGeom>
+        </p:spPr>
+      </p:pic>
     </p:spTree>
     <p:extLst>
       <p:ext uri="{BB962C8B-B14F-4D97-AF65-F5344CB8AC3E}">
@@ -21122,6 +21337,36 @@
           <a:xfrm>
             <a:off x="0" y="0"/>
             <a:ext cx="1192549" cy="1196752"/>
+          </a:xfrm>
+          <a:prstGeom prst="rect">
+            <a:avLst/>
+          </a:prstGeom>
+        </p:spPr>
+      </p:pic>
+      <p:pic>
+        <p:nvPicPr>
+          <p:cNvPr id="2" name="Image 1"/>
+          <p:cNvPicPr>
+            <a:picLocks noChangeAspect="1"/>
+          </p:cNvPicPr>
+          <p:nvPr/>
+        </p:nvPicPr>
+        <p:blipFill>
+          <a:blip r:embed="rId3">
+            <a:extLst>
+              <a:ext uri="{28A0092B-C50C-407E-A947-70E740481C1C}">
+                <a14:useLocalDpi xmlns:a14="http://schemas.microsoft.com/office/drawing/2010/main" val="0"/>
+              </a:ext>
+            </a:extLst>
+          </a:blip>
+          <a:stretch>
+            <a:fillRect/>
+          </a:stretch>
+        </p:blipFill>
+        <p:spPr>
+          <a:xfrm>
+            <a:off x="523770" y="2060848"/>
+            <a:ext cx="7740352" cy="4187193"/>
           </a:xfrm>
           <a:prstGeom prst="rect">
             <a:avLst/>

--- a/presentation/6_TOHOKU_ENG.pptx
+++ b/presentation/6_TOHOKU_ENG.pptx
@@ -114,6 +114,22 @@
       </a:defRPr>
     </a:lvl9pPr>
   </p:defaultTextStyle>
+  <p:extLst>
+    <p:ext uri="{EFAFB233-063F-42B5-8137-9DF3F51BA10A}">
+      <p15:sldGuideLst xmlns:p15="http://schemas.microsoft.com/office/powerpoint/2012/main">
+        <p15:guide id="1" orient="horz" pos="2160">
+          <p15:clr>
+            <a:srgbClr val="A4A3A4"/>
+          </p15:clr>
+        </p15:guide>
+        <p15:guide id="2" pos="2880">
+          <p15:clr>
+            <a:srgbClr val="A4A3A4"/>
+          </p15:clr>
+        </p15:guide>
+      </p15:sldGuideLst>
+    </p:ext>
+  </p:extLst>
 </p:presentation>
 </file>
 
@@ -298,7 +314,7 @@
           <a:p>
             <a:fld id="{E64A4F04-076B-469C-86FF-8FA565109124}" type="datetimeFigureOut">
               <a:rPr lang="fr-FR" smtClean="0"/>
-              <a:t>09/08/2018</a:t>
+              <a:t>10/08/2018</a:t>
             </a:fld>
             <a:endParaRPr lang="fr-FR"/>
           </a:p>
@@ -340,7 +356,7 @@
           <a:p>
             <a:fld id="{59A47AE9-E18A-4AB9-9485-37C462A4683A}" type="slidenum">
               <a:rPr lang="fr-FR" smtClean="0"/>
-              <a:t>‹N°›</a:t>
+              <a:t>‹#›</a:t>
             </a:fld>
             <a:endParaRPr lang="fr-FR"/>
           </a:p>
@@ -468,7 +484,7 @@
           <a:p>
             <a:fld id="{E64A4F04-076B-469C-86FF-8FA565109124}" type="datetimeFigureOut">
               <a:rPr lang="fr-FR" smtClean="0"/>
-              <a:t>09/08/2018</a:t>
+              <a:t>10/08/2018</a:t>
             </a:fld>
             <a:endParaRPr lang="fr-FR"/>
           </a:p>
@@ -510,7 +526,7 @@
           <a:p>
             <a:fld id="{59A47AE9-E18A-4AB9-9485-37C462A4683A}" type="slidenum">
               <a:rPr lang="fr-FR" smtClean="0"/>
-              <a:t>‹N°›</a:t>
+              <a:t>‹#›</a:t>
             </a:fld>
             <a:endParaRPr lang="fr-FR"/>
           </a:p>
@@ -648,7 +664,7 @@
           <a:p>
             <a:fld id="{E64A4F04-076B-469C-86FF-8FA565109124}" type="datetimeFigureOut">
               <a:rPr lang="fr-FR" smtClean="0"/>
-              <a:t>09/08/2018</a:t>
+              <a:t>10/08/2018</a:t>
             </a:fld>
             <a:endParaRPr lang="fr-FR"/>
           </a:p>
@@ -690,7 +706,7 @@
           <a:p>
             <a:fld id="{59A47AE9-E18A-4AB9-9485-37C462A4683A}" type="slidenum">
               <a:rPr lang="fr-FR" smtClean="0"/>
-              <a:t>‹N°›</a:t>
+              <a:t>‹#›</a:t>
             </a:fld>
             <a:endParaRPr lang="fr-FR"/>
           </a:p>
@@ -818,7 +834,7 @@
           <a:p>
             <a:fld id="{E64A4F04-076B-469C-86FF-8FA565109124}" type="datetimeFigureOut">
               <a:rPr lang="fr-FR" smtClean="0"/>
-              <a:t>09/08/2018</a:t>
+              <a:t>10/08/2018</a:t>
             </a:fld>
             <a:endParaRPr lang="fr-FR"/>
           </a:p>
@@ -860,7 +876,7 @@
           <a:p>
             <a:fld id="{59A47AE9-E18A-4AB9-9485-37C462A4683A}" type="slidenum">
               <a:rPr lang="fr-FR" smtClean="0"/>
-              <a:t>‹N°›</a:t>
+              <a:t>‹#›</a:t>
             </a:fld>
             <a:endParaRPr lang="fr-FR"/>
           </a:p>
@@ -1064,7 +1080,7 @@
           <a:p>
             <a:fld id="{E64A4F04-076B-469C-86FF-8FA565109124}" type="datetimeFigureOut">
               <a:rPr lang="fr-FR" smtClean="0"/>
-              <a:t>09/08/2018</a:t>
+              <a:t>10/08/2018</a:t>
             </a:fld>
             <a:endParaRPr lang="fr-FR"/>
           </a:p>
@@ -1106,7 +1122,7 @@
           <a:p>
             <a:fld id="{59A47AE9-E18A-4AB9-9485-37C462A4683A}" type="slidenum">
               <a:rPr lang="fr-FR" smtClean="0"/>
-              <a:t>‹N°›</a:t>
+              <a:t>‹#›</a:t>
             </a:fld>
             <a:endParaRPr lang="fr-FR"/>
           </a:p>
@@ -1352,7 +1368,7 @@
           <a:p>
             <a:fld id="{E64A4F04-076B-469C-86FF-8FA565109124}" type="datetimeFigureOut">
               <a:rPr lang="fr-FR" smtClean="0"/>
-              <a:t>09/08/2018</a:t>
+              <a:t>10/08/2018</a:t>
             </a:fld>
             <a:endParaRPr lang="fr-FR"/>
           </a:p>
@@ -1394,7 +1410,7 @@
           <a:p>
             <a:fld id="{59A47AE9-E18A-4AB9-9485-37C462A4683A}" type="slidenum">
               <a:rPr lang="fr-FR" smtClean="0"/>
-              <a:t>‹N°›</a:t>
+              <a:t>‹#›</a:t>
             </a:fld>
             <a:endParaRPr lang="fr-FR"/>
           </a:p>
@@ -1774,7 +1790,7 @@
           <a:p>
             <a:fld id="{E64A4F04-076B-469C-86FF-8FA565109124}" type="datetimeFigureOut">
               <a:rPr lang="fr-FR" smtClean="0"/>
-              <a:t>09/08/2018</a:t>
+              <a:t>10/08/2018</a:t>
             </a:fld>
             <a:endParaRPr lang="fr-FR"/>
           </a:p>
@@ -1816,7 +1832,7 @@
           <a:p>
             <a:fld id="{59A47AE9-E18A-4AB9-9485-37C462A4683A}" type="slidenum">
               <a:rPr lang="fr-FR" smtClean="0"/>
-              <a:t>‹N°›</a:t>
+              <a:t>‹#›</a:t>
             </a:fld>
             <a:endParaRPr lang="fr-FR"/>
           </a:p>
@@ -1892,7 +1908,7 @@
           <a:p>
             <a:fld id="{E64A4F04-076B-469C-86FF-8FA565109124}" type="datetimeFigureOut">
               <a:rPr lang="fr-FR" smtClean="0"/>
-              <a:t>09/08/2018</a:t>
+              <a:t>10/08/2018</a:t>
             </a:fld>
             <a:endParaRPr lang="fr-FR"/>
           </a:p>
@@ -1934,7 +1950,7 @@
           <a:p>
             <a:fld id="{59A47AE9-E18A-4AB9-9485-37C462A4683A}" type="slidenum">
               <a:rPr lang="fr-FR" smtClean="0"/>
-              <a:t>‹N°›</a:t>
+              <a:t>‹#›</a:t>
             </a:fld>
             <a:endParaRPr lang="fr-FR"/>
           </a:p>
@@ -1987,7 +2003,7 @@
           <a:p>
             <a:fld id="{E64A4F04-076B-469C-86FF-8FA565109124}" type="datetimeFigureOut">
               <a:rPr lang="fr-FR" smtClean="0"/>
-              <a:t>09/08/2018</a:t>
+              <a:t>10/08/2018</a:t>
             </a:fld>
             <a:endParaRPr lang="fr-FR"/>
           </a:p>
@@ -2029,7 +2045,7 @@
           <a:p>
             <a:fld id="{59A47AE9-E18A-4AB9-9485-37C462A4683A}" type="slidenum">
               <a:rPr lang="fr-FR" smtClean="0"/>
-              <a:t>‹N°›</a:t>
+              <a:t>‹#›</a:t>
             </a:fld>
             <a:endParaRPr lang="fr-FR"/>
           </a:p>
@@ -2264,7 +2280,7 @@
           <a:p>
             <a:fld id="{E64A4F04-076B-469C-86FF-8FA565109124}" type="datetimeFigureOut">
               <a:rPr lang="fr-FR" smtClean="0"/>
-              <a:t>09/08/2018</a:t>
+              <a:t>10/08/2018</a:t>
             </a:fld>
             <a:endParaRPr lang="fr-FR"/>
           </a:p>
@@ -2306,7 +2322,7 @@
           <a:p>
             <a:fld id="{59A47AE9-E18A-4AB9-9485-37C462A4683A}" type="slidenum">
               <a:rPr lang="fr-FR" smtClean="0"/>
-              <a:t>‹N°›</a:t>
+              <a:t>‹#›</a:t>
             </a:fld>
             <a:endParaRPr lang="fr-FR"/>
           </a:p>
@@ -2517,7 +2533,7 @@
           <a:p>
             <a:fld id="{E64A4F04-076B-469C-86FF-8FA565109124}" type="datetimeFigureOut">
               <a:rPr lang="fr-FR" smtClean="0"/>
-              <a:t>09/08/2018</a:t>
+              <a:t>10/08/2018</a:t>
             </a:fld>
             <a:endParaRPr lang="fr-FR"/>
           </a:p>
@@ -2559,7 +2575,7 @@
           <a:p>
             <a:fld id="{59A47AE9-E18A-4AB9-9485-37C462A4683A}" type="slidenum">
               <a:rPr lang="fr-FR" smtClean="0"/>
-              <a:t>‹N°›</a:t>
+              <a:t>‹#›</a:t>
             </a:fld>
             <a:endParaRPr lang="fr-FR"/>
           </a:p>
@@ -2766,7 +2782,7 @@
           <a:p>
             <a:fld id="{E64A4F04-076B-469C-86FF-8FA565109124}" type="datetimeFigureOut">
               <a:rPr lang="fr-FR" smtClean="0"/>
-              <a:t>09/08/2018</a:t>
+              <a:t>10/08/2018</a:t>
             </a:fld>
             <a:endParaRPr lang="fr-FR"/>
           </a:p>
@@ -2844,7 +2860,7 @@
           <a:p>
             <a:fld id="{59A47AE9-E18A-4AB9-9485-37C462A4683A}" type="slidenum">
               <a:rPr lang="fr-FR" smtClean="0"/>
-              <a:t>‹N°›</a:t>
+              <a:t>‹#›</a:t>
             </a:fld>
             <a:endParaRPr lang="fr-FR"/>
           </a:p>
@@ -17811,15 +17827,7 @@
                   <a:srgbClr val="003366"/>
                 </a:solidFill>
               </a:rPr>
-              <a:t>Projector </a:t>
-            </a:r>
-            <a:r>
-              <a:rPr lang="en-US" altLang="ja-JP" sz="2000" b="1" dirty="0" smtClean="0">
-                <a:solidFill>
-                  <a:srgbClr val="003366"/>
-                </a:solidFill>
-              </a:rPr>
-              <a:t>plane</a:t>
+              <a:t>Projector plane</a:t>
             </a:r>
             <a:endParaRPr lang="en-US" altLang="ja-JP" sz="2000" b="1" dirty="0">
               <a:solidFill>
@@ -20840,13 +20848,13 @@
               </a:ext>
             </a:extLst>
           </a:blip>
-          <a:srcRect l="4363" t="25998" b="22032"/>
+          <a:srcRect l="4363" t="27143" b="22031"/>
           <a:stretch/>
         </p:blipFill>
         <p:spPr>
           <a:xfrm>
-            <a:off x="251520" y="1889125"/>
-            <a:ext cx="8745016" cy="2671763"/>
+            <a:off x="251520" y="1947869"/>
+            <a:ext cx="8745016" cy="2613019"/>
           </a:xfrm>
           <a:prstGeom prst="rect">
             <a:avLst/>
@@ -20916,7 +20924,7 @@
                   <a:schemeClr val="bg1"/>
                 </a:solidFill>
               </a:rPr>
-              <a:t>Issues </a:t>
+              <a:t>Blender animation </a:t>
             </a:r>
             <a:r>
               <a:rPr lang="fr-FR" dirty="0" err="1" smtClean="0">
@@ -20924,9 +20932,37 @@
                   <a:schemeClr val="bg1"/>
                 </a:solidFill>
               </a:rPr>
-              <a:t>encountered</a:t>
+              <a:t>integration</a:t>
             </a:r>
-            <a:endParaRPr lang="fr-FR" dirty="0">
+            <a:r>
+              <a:rPr lang="fr-FR" dirty="0" smtClean="0">
+                <a:solidFill>
+                  <a:schemeClr val="bg1"/>
+                </a:solidFill>
+              </a:rPr>
+              <a:t> issues</a:t>
+            </a:r>
+          </a:p>
+          <a:p>
+            <a:r>
+              <a:rPr lang="fr-FR" dirty="0" err="1" smtClean="0">
+                <a:solidFill>
+                  <a:schemeClr val="bg1"/>
+                </a:solidFill>
+              </a:rPr>
+              <a:t>Low</a:t>
+            </a:r>
+            <a:r>
+              <a:rPr lang="fr-FR" dirty="0" smtClean="0">
+                <a:solidFill>
+                  <a:schemeClr val="bg1"/>
+                </a:solidFill>
+              </a:rPr>
+              <a:t> frame rate of camera </a:t>
+            </a:r>
+          </a:p>
+          <a:p>
+            <a:endParaRPr lang="fr-FR" dirty="0" smtClean="0">
               <a:solidFill>
                 <a:schemeClr val="bg1"/>
               </a:solidFill>
@@ -21047,12 +21083,20 @@
           </a:lstStyle>
           <a:p>
             <a:r>
+              <a:rPr lang="fr-FR" sz="3200" b="1" dirty="0" smtClean="0">
+                <a:solidFill>
+                  <a:srgbClr val="FFFF00"/>
+                </a:solidFill>
+              </a:rPr>
+              <a:t>Issues </a:t>
+            </a:r>
+            <a:r>
               <a:rPr lang="fr-FR" sz="3200" b="1" dirty="0" err="1" smtClean="0">
                 <a:solidFill>
                   <a:srgbClr val="FFFF00"/>
                 </a:solidFill>
               </a:rPr>
-              <a:t>Realisation</a:t>
+              <a:t>Encountered</a:t>
             </a:r>
             <a:endParaRPr lang="fr-FR" sz="3200" b="1" dirty="0">
               <a:solidFill>
